--- a/lessons/AccurateTurning.pptx
+++ b/lessons/AccurateTurning.pptx
@@ -5,10 +5,10 @@
     <p:sldMasterId id="2147483761" r:id="rId1"/>
   </p:sldMasterIdLst>
   <p:notesMasterIdLst>
-    <p:notesMasterId r:id="rId10"/>
+    <p:notesMasterId r:id="rId11"/>
   </p:notesMasterIdLst>
   <p:handoutMasterIdLst>
-    <p:handoutMasterId r:id="rId11"/>
+    <p:handoutMasterId r:id="rId12"/>
   </p:handoutMasterIdLst>
   <p:sldIdLst>
     <p:sldId id="275" r:id="rId2"/>
@@ -16,9 +16,10 @@
     <p:sldId id="411" r:id="rId4"/>
     <p:sldId id="412" r:id="rId5"/>
     <p:sldId id="413" r:id="rId6"/>
-    <p:sldId id="415" r:id="rId7"/>
-    <p:sldId id="414" r:id="rId8"/>
-    <p:sldId id="288" r:id="rId9"/>
+    <p:sldId id="416" r:id="rId7"/>
+    <p:sldId id="415" r:id="rId8"/>
+    <p:sldId id="414" r:id="rId9"/>
+    <p:sldId id="288" r:id="rId10"/>
   </p:sldIdLst>
   <p:sldSz cx="9144000" cy="6858000" type="screen4x3"/>
   <p:notesSz cx="6858000" cy="9144000"/>
@@ -218,7 +219,7 @@
           <a:p>
             <a:fld id="{58040048-1E4D-CD41-AC49-0750EB72586B}" type="datetimeFigureOut">
               <a:rPr lang="en-US" smtClean="0"/>
-              <a:t>01/08/2020</a:t>
+              <a:t>5/30/2020</a:t>
             </a:fld>
             <a:endParaRPr lang="en-US"/>
           </a:p>
@@ -384,7 +385,7 @@
           <a:p>
             <a:fld id="{2B8484CF-5098-F24E-8881-583515D5C406}" type="datetimeFigureOut">
               <a:rPr lang="en-US" smtClean="0"/>
-              <a:t>01/08/2020</a:t>
+              <a:t>5/30/2020</a:t>
             </a:fld>
             <a:endParaRPr lang="en-US"/>
           </a:p>
@@ -1576,7 +1577,7 @@
           <a:p>
             <a:r>
               <a:rPr lang="en-US"/>
-              <a:t>Copyright © 2020 SPIKE Prime Lessons (primelessons.org) CC-BY-NC-SA.  (Last edit: 1/9/2020)</a:t>
+              <a:t>Copyright © 2020 SPIKE Prime Lessons (primelessons.org) CC-BY-NC-SA.  (Last edit: 5/30/2020)</a:t>
             </a:r>
             <a:endParaRPr lang="en-US" dirty="0"/>
           </a:p>
@@ -1830,7 +1831,7 @@
           <a:p>
             <a:r>
               <a:rPr lang="en-US"/>
-              <a:t>Copyright © 2020 SPIKE Prime Lessons (primelessons.org) CC-BY-NC-SA.  (Last edit: 1/9/2020)</a:t>
+              <a:t>Copyright © 2020 SPIKE Prime Lessons (primelessons.org) CC-BY-NC-SA.  (Last edit: 5/30/2020)</a:t>
             </a:r>
             <a:endParaRPr lang="en-US" dirty="0"/>
           </a:p>
@@ -2074,7 +2075,7 @@
           <a:p>
             <a:r>
               <a:rPr lang="en-US"/>
-              <a:t>Copyright © 2020 SPIKE Prime Lessons (primelessons.org) CC-BY-NC-SA.  (Last edit: 1/9/2020)</a:t>
+              <a:t>Copyright © 2020 SPIKE Prime Lessons (primelessons.org) CC-BY-NC-SA.  (Last edit: 5/30/2020)</a:t>
             </a:r>
             <a:endParaRPr lang="en-US" dirty="0"/>
           </a:p>
@@ -2447,7 +2448,7 @@
           <a:p>
             <a:r>
               <a:rPr lang="en-US"/>
-              <a:t>Copyright © 2020 SPIKE Prime Lessons (primelessons.org) CC-BY-NC-SA.  (Last edit: 1/9/2020)</a:t>
+              <a:t>Copyright © 2020 SPIKE Prime Lessons (primelessons.org) CC-BY-NC-SA.  (Last edit: 5/30/2020)</a:t>
             </a:r>
             <a:endParaRPr lang="en-US" dirty="0"/>
           </a:p>
@@ -2866,7 +2867,7 @@
           <a:p>
             <a:r>
               <a:rPr lang="en-US"/>
-              <a:t>Copyright © 2020 SPIKE Prime Lessons (primelessons.org) CC-BY-NC-SA.  (Last edit: 1/9/2020)</a:t>
+              <a:t>Copyright © 2020 SPIKE Prime Lessons (primelessons.org) CC-BY-NC-SA.  (Last edit: 5/30/2020)</a:t>
             </a:r>
             <a:endParaRPr lang="en-US" dirty="0"/>
           </a:p>
@@ -3380,7 +3381,7 @@
           <a:p>
             <a:r>
               <a:rPr lang="en-US"/>
-              <a:t>Copyright © 2020 SPIKE Prime Lessons (primelessons.org) CC-BY-NC-SA.  (Last edit: 1/9/2020)</a:t>
+              <a:t>Copyright © 2020 SPIKE Prime Lessons (primelessons.org) CC-BY-NC-SA.  (Last edit: 5/30/2020)</a:t>
             </a:r>
             <a:endParaRPr lang="en-US" dirty="0"/>
           </a:p>
@@ -3571,7 +3572,7 @@
           <a:p>
             <a:r>
               <a:rPr lang="en-US"/>
-              <a:t>Copyright © 2020 SPIKE Prime Lessons (primelessons.org) CC-BY-NC-SA.  (Last edit: 1/9/2020)</a:t>
+              <a:t>Copyright © 2020 SPIKE Prime Lessons (primelessons.org) CC-BY-NC-SA.  (Last edit: 5/30/2020)</a:t>
             </a:r>
             <a:endParaRPr lang="en-US" dirty="0"/>
           </a:p>
@@ -3970,7 +3971,7 @@
           <a:p>
             <a:r>
               <a:rPr lang="en-US"/>
-              <a:t>Copyright © 2020 SPIKE Prime Lessons (primelessons.org) CC-BY-NC-SA.  (Last edit: 1/9/2020)</a:t>
+              <a:t>Copyright © 2020 SPIKE Prime Lessons (primelessons.org) CC-BY-NC-SA.  (Last edit: 5/30/2020)</a:t>
             </a:r>
             <a:endParaRPr lang="en-US" dirty="0"/>
           </a:p>
@@ -4352,7 +4353,7 @@
           <a:p>
             <a:r>
               <a:rPr lang="en-US"/>
-              <a:t>Copyright © 2020 SPIKE Prime Lessons (primelessons.org) CC-BY-NC-SA.  (Last edit: 1/9/2020)</a:t>
+              <a:t>Copyright © 2020 SPIKE Prime Lessons (primelessons.org) CC-BY-NC-SA.  (Last edit: 5/30/2020)</a:t>
             </a:r>
           </a:p>
         </p:txBody>
@@ -4653,7 +4654,7 @@
           <a:p>
             <a:r>
               <a:rPr lang="en-US"/>
-              <a:t>Copyright © 2020 SPIKE Prime Lessons (primelessons.org) CC-BY-NC-SA.  (Last edit: 1/9/2020)</a:t>
+              <a:t>Copyright © 2020 SPIKE Prime Lessons (primelessons.org) CC-BY-NC-SA.  (Last edit: 5/30/2020)</a:t>
             </a:r>
             <a:endParaRPr lang="en-US" dirty="0"/>
           </a:p>
@@ -4971,7 +4972,7 @@
           <a:p>
             <a:r>
               <a:rPr lang="en-US"/>
-              <a:t>Copyright © 2020 SPIKE Prime Lessons (primelessons.org) CC-BY-NC-SA.  (Last edit: 1/9/2020)</a:t>
+              <a:t>Copyright © 2020 SPIKE Prime Lessons (primelessons.org) CC-BY-NC-SA.  (Last edit: 5/30/2020)</a:t>
             </a:r>
             <a:endParaRPr lang="en-US" dirty="0"/>
           </a:p>
@@ -5604,6 +5605,16 @@
             </a:r>
           </a:p>
           <a:p>
+            <a:r>
+              <a:rPr lang="en-US" dirty="0">
+                <a:solidFill>
+                  <a:schemeClr val="tx1"/>
+                </a:solidFill>
+              </a:rPr>
+              <a:t>Learn alternative ways to do pivot and spin turns</a:t>
+            </a:r>
+          </a:p>
+          <a:p>
             <a:endParaRPr lang="en-US" dirty="0"/>
           </a:p>
           <a:p>
@@ -5628,7 +5639,7 @@
           <a:p>
             <a:r>
               <a:rPr lang="en-US"/>
-              <a:t>Copyright © 2020 SPIKE Prime Lessons (primelessons.org) CC-BY-NC-SA.  (Last edit: 1/9/2020)</a:t>
+              <a:t>Copyright © 2020 SPIKE Prime Lessons (primelessons.org) CC-BY-NC-SA.  (Last edit: 5/30/2020)</a:t>
             </a:r>
           </a:p>
         </p:txBody>
@@ -5720,7 +5731,7 @@
           <a:p>
             <a:r>
               <a:rPr lang="en-US" dirty="0"/>
-              <a:t>How Accurate Is Your Turn</a:t>
+              <a:t>How Accurate Is Your pivot Turn?</a:t>
             </a:r>
           </a:p>
         </p:txBody>
@@ -5831,7 +5842,7 @@
           <a:p>
             <a:r>
               <a:rPr lang="en-US"/>
-              <a:t>Copyright © 2020 SPIKE Prime Lessons (primelessons.org) CC-BY-NC-SA.  (Last edit: 1/9/2020)</a:t>
+              <a:t>Copyright © 2020 SPIKE Prime Lessons (primelessons.org) CC-BY-NC-SA.  (Last edit: 5/30/2020)</a:t>
             </a:r>
             <a:endParaRPr lang="en-US" dirty="0"/>
           </a:p>
@@ -5995,7 +6006,7 @@
           <a:p>
             <a:r>
               <a:rPr lang="en-US" dirty="0"/>
-              <a:t>Improving Turn Accuracy</a:t>
+              <a:t>Improving pivot Turn Accuracy</a:t>
             </a:r>
           </a:p>
         </p:txBody>
@@ -6091,7 +6102,7 @@
           <a:p>
             <a:r>
               <a:rPr lang="en-US"/>
-              <a:t>Copyright © 2020 SPIKE Prime Lessons (primelessons.org) CC-BY-NC-SA.  (Last edit: 1/9/2020)</a:t>
+              <a:t>Copyright © 2020 SPIKE Prime Lessons (primelessons.org) CC-BY-NC-SA.  (Last edit: 5/30/2020)</a:t>
             </a:r>
             <a:endParaRPr lang="en-US" dirty="0"/>
           </a:p>
@@ -6209,7 +6220,7 @@
           <a:p>
             <a:r>
               <a:rPr lang="en-US" dirty="0"/>
-              <a:t>Another solution</a:t>
+              <a:t>Another solution for pivot turns</a:t>
             </a:r>
           </a:p>
         </p:txBody>
@@ -6290,6 +6301,25 @@
               <a:t>The left wheel will turn 360 degrees and the right wheel will turn 0 degrees</a:t>
             </a:r>
           </a:p>
+          <a:p>
+            <a:pPr lvl="1"/>
+            <a:r>
+              <a:rPr lang="en-US" dirty="0"/>
+              <a:t>Note that the above move will cause a </a:t>
+            </a:r>
+            <a:r>
+              <a:rPr lang="en-US" dirty="0" err="1"/>
+              <a:t>Droidbot</a:t>
+            </a:r>
+            <a:r>
+              <a:rPr lang="en-US" dirty="0"/>
+              <a:t> IV to turn the “robot” 90 degrees to the right</a:t>
+            </a:r>
+          </a:p>
+          <a:p>
+            <a:pPr lvl="1"/>
+            <a:endParaRPr lang="en-US" dirty="0"/>
+          </a:p>
         </p:txBody>
       </p:sp>
       <p:sp>
@@ -6315,7 +6345,7 @@
           <a:p>
             <a:r>
               <a:rPr lang="en-US"/>
-              <a:t>Copyright © 2020 SPIKE Prime Lessons (primelessons.org) CC-BY-NC-SA.  (Last edit: 1/9/2020)</a:t>
+              <a:t>Copyright © 2020 SPIKE Prime Lessons (primelessons.org) CC-BY-NC-SA.  (Last edit: 5/30/2020)</a:t>
             </a:r>
             <a:endParaRPr lang="en-US" dirty="0"/>
           </a:p>
@@ -6798,6 +6828,780 @@
           <a:chExt cx="0" cy="0"/>
         </a:xfrm>
       </p:grpSpPr>
+      <p:pic>
+        <p:nvPicPr>
+          <p:cNvPr id="39" name="Picture 38" descr="A screenshot of a cell phone&#10;&#10;Description automatically generated">
+            <a:extLst>
+              <a:ext uri="{FF2B5EF4-FFF2-40B4-BE49-F238E27FC236}">
+                <a16:creationId xmlns:a16="http://schemas.microsoft.com/office/drawing/2014/main" id="{73F572E4-E5A3-4A02-8479-4F1228FD0F3C}"/>
+              </a:ext>
+            </a:extLst>
+          </p:cNvPr>
+          <p:cNvPicPr>
+            <a:picLocks noChangeAspect="1"/>
+          </p:cNvPicPr>
+          <p:nvPr/>
+        </p:nvPicPr>
+        <p:blipFill>
+          <a:blip r:embed="rId2"/>
+          <a:stretch>
+            <a:fillRect/>
+          </a:stretch>
+        </p:blipFill>
+        <p:spPr>
+          <a:xfrm>
+            <a:off x="350684" y="3523314"/>
+            <a:ext cx="3356409" cy="2562035"/>
+          </a:xfrm>
+          <a:prstGeom prst="rect">
+            <a:avLst/>
+          </a:prstGeom>
+        </p:spPr>
+      </p:pic>
+      <p:pic>
+        <p:nvPicPr>
+          <p:cNvPr id="37" name="Picture 36" descr="A screenshot of a cell phone&#10;&#10;Description automatically generated">
+            <a:extLst>
+              <a:ext uri="{FF2B5EF4-FFF2-40B4-BE49-F238E27FC236}">
+                <a16:creationId xmlns:a16="http://schemas.microsoft.com/office/drawing/2014/main" id="{4A2E7AF2-4B53-4E5B-9561-0D5980A30EF6}"/>
+              </a:ext>
+            </a:extLst>
+          </p:cNvPr>
+          <p:cNvPicPr>
+            <a:picLocks noChangeAspect="1"/>
+          </p:cNvPicPr>
+          <p:nvPr/>
+        </p:nvPicPr>
+        <p:blipFill>
+          <a:blip r:embed="rId3"/>
+          <a:stretch>
+            <a:fillRect/>
+          </a:stretch>
+        </p:blipFill>
+        <p:spPr>
+          <a:xfrm>
+            <a:off x="3902689" y="3516155"/>
+            <a:ext cx="3583620" cy="2552902"/>
+          </a:xfrm>
+          <a:prstGeom prst="rect">
+            <a:avLst/>
+          </a:prstGeom>
+        </p:spPr>
+      </p:pic>
+      <p:sp>
+        <p:nvSpPr>
+          <p:cNvPr id="2" name="Title 1">
+            <a:extLst>
+              <a:ext uri="{FF2B5EF4-FFF2-40B4-BE49-F238E27FC236}">
+                <a16:creationId xmlns:a16="http://schemas.microsoft.com/office/drawing/2014/main" id="{A27A7ECF-18F8-48B6-B649-8D163AE75528}"/>
+              </a:ext>
+            </a:extLst>
+          </p:cNvPr>
+          <p:cNvSpPr>
+            <a:spLocks noGrp="1"/>
+          </p:cNvSpPr>
+          <p:nvPr>
+            <p:ph type="title"/>
+          </p:nvPr>
+        </p:nvSpPr>
+        <p:spPr/>
+        <p:txBody>
+          <a:bodyPr/>
+          <a:lstStyle/>
+          <a:p>
+            <a:r>
+              <a:rPr lang="en-US" dirty="0"/>
+              <a:t>WHAT ABOUT SPIN TURNS</a:t>
+            </a:r>
+          </a:p>
+        </p:txBody>
+      </p:sp>
+      <p:sp>
+        <p:nvSpPr>
+          <p:cNvPr id="3" name="Content Placeholder 2">
+            <a:extLst>
+              <a:ext uri="{FF2B5EF4-FFF2-40B4-BE49-F238E27FC236}">
+                <a16:creationId xmlns:a16="http://schemas.microsoft.com/office/drawing/2014/main" id="{8C8138A4-B87E-4AF2-945A-D969493CD705}"/>
+              </a:ext>
+            </a:extLst>
+          </p:cNvPr>
+          <p:cNvSpPr>
+            <a:spLocks noGrp="1"/>
+          </p:cNvSpPr>
+          <p:nvPr>
+            <p:ph idx="1"/>
+          </p:nvPr>
+        </p:nvSpPr>
+        <p:spPr>
+          <a:xfrm>
+            <a:off x="155087" y="1140006"/>
+            <a:ext cx="7382219" cy="3745759"/>
+          </a:xfrm>
+        </p:spPr>
+        <p:txBody>
+          <a:bodyPr>
+            <a:normAutofit/>
+          </a:bodyPr>
+          <a:lstStyle/>
+          <a:p>
+            <a:r>
+              <a:rPr lang="en-US" dirty="0"/>
+              <a:t>Below are two ways to make a spin turn using two different movement blocks</a:t>
+            </a:r>
+          </a:p>
+          <a:p>
+            <a:r>
+              <a:rPr lang="en-US" dirty="0"/>
+              <a:t>In this example, on Droid Bot IV, each wheel on the robot will travel 180 degrees – but in opposite directions</a:t>
+            </a:r>
+          </a:p>
+          <a:p>
+            <a:pPr lvl="1"/>
+            <a:r>
+              <a:rPr lang="en-US" dirty="0"/>
+              <a:t>As a result, robot will turn 90 degrees to the right</a:t>
+            </a:r>
+          </a:p>
+          <a:p>
+            <a:pPr lvl="1"/>
+            <a:r>
+              <a:rPr lang="en-US" dirty="0"/>
+              <a:t>We recommend using the tank block since it supports pivot turns, spin turns </a:t>
+            </a:r>
+            <a:br>
+              <a:rPr lang="en-US" dirty="0"/>
+            </a:br>
+            <a:r>
+              <a:rPr lang="en-US" dirty="0"/>
+              <a:t>and curved movement. </a:t>
+            </a:r>
+          </a:p>
+        </p:txBody>
+      </p:sp>
+      <p:sp>
+        <p:nvSpPr>
+          <p:cNvPr id="4" name="Footer Placeholder 3">
+            <a:extLst>
+              <a:ext uri="{FF2B5EF4-FFF2-40B4-BE49-F238E27FC236}">
+                <a16:creationId xmlns:a16="http://schemas.microsoft.com/office/drawing/2014/main" id="{AA4A27E7-E461-49AF-9794-784E2E9CD38A}"/>
+              </a:ext>
+            </a:extLst>
+          </p:cNvPr>
+          <p:cNvSpPr>
+            <a:spLocks noGrp="1"/>
+          </p:cNvSpPr>
+          <p:nvPr>
+            <p:ph type="ftr" sz="quarter" idx="11"/>
+          </p:nvPr>
+        </p:nvSpPr>
+        <p:spPr/>
+        <p:txBody>
+          <a:bodyPr/>
+          <a:lstStyle/>
+          <a:p>
+            <a:r>
+              <a:rPr lang="en-US"/>
+              <a:t>Copyright © 2020 SPIKE Prime Lessons (primelessons.org) CC-BY-NC-SA.  (Last edit: 5/30/2020)</a:t>
+            </a:r>
+            <a:endParaRPr lang="en-US" dirty="0"/>
+          </a:p>
+        </p:txBody>
+      </p:sp>
+      <p:sp>
+        <p:nvSpPr>
+          <p:cNvPr id="5" name="Slide Number Placeholder 4">
+            <a:extLst>
+              <a:ext uri="{FF2B5EF4-FFF2-40B4-BE49-F238E27FC236}">
+                <a16:creationId xmlns:a16="http://schemas.microsoft.com/office/drawing/2014/main" id="{3DC53D6A-8CE6-4308-BB01-959C2009E32F}"/>
+              </a:ext>
+            </a:extLst>
+          </p:cNvPr>
+          <p:cNvSpPr>
+            <a:spLocks noGrp="1"/>
+          </p:cNvSpPr>
+          <p:nvPr>
+            <p:ph type="sldNum" sz="quarter" idx="12"/>
+          </p:nvPr>
+        </p:nvSpPr>
+        <p:spPr/>
+        <p:txBody>
+          <a:bodyPr/>
+          <a:lstStyle/>
+          <a:p>
+            <a:fld id="{BBD74847-7BE4-4E4D-8159-51DF7B93C616}" type="slidenum">
+              <a:rPr lang="en-US" smtClean="0"/>
+              <a:t>6</a:t>
+            </a:fld>
+            <a:endParaRPr lang="en-US"/>
+          </a:p>
+        </p:txBody>
+      </p:sp>
+      <p:grpSp>
+        <p:nvGrpSpPr>
+          <p:cNvPr id="17" name="Group 16">
+            <a:extLst>
+              <a:ext uri="{FF2B5EF4-FFF2-40B4-BE49-F238E27FC236}">
+                <a16:creationId xmlns:a16="http://schemas.microsoft.com/office/drawing/2014/main" id="{740F5D34-182C-4D2D-AAC2-9FF0E5B61EA9}"/>
+              </a:ext>
+            </a:extLst>
+          </p:cNvPr>
+          <p:cNvGrpSpPr/>
+          <p:nvPr/>
+        </p:nvGrpSpPr>
+        <p:grpSpPr>
+          <a:xfrm>
+            <a:off x="7486308" y="1978684"/>
+            <a:ext cx="1302446" cy="1160973"/>
+            <a:chOff x="648829" y="4659819"/>
+            <a:chExt cx="1485589" cy="1688011"/>
+          </a:xfrm>
+        </p:grpSpPr>
+        <p:grpSp>
+          <p:nvGrpSpPr>
+            <p:cNvPr id="18" name="Group 17">
+              <a:extLst>
+                <a:ext uri="{FF2B5EF4-FFF2-40B4-BE49-F238E27FC236}">
+                  <a16:creationId xmlns:a16="http://schemas.microsoft.com/office/drawing/2014/main" id="{08433C34-7EC9-4250-97AD-4FC0730E2AD4}"/>
+                </a:ext>
+              </a:extLst>
+            </p:cNvPr>
+            <p:cNvGrpSpPr/>
+            <p:nvPr/>
+          </p:nvGrpSpPr>
+          <p:grpSpPr>
+            <a:xfrm>
+              <a:off x="809518" y="4659819"/>
+              <a:ext cx="1199001" cy="1688011"/>
+              <a:chOff x="6507213" y="1236164"/>
+              <a:chExt cx="1199001" cy="1688011"/>
+            </a:xfrm>
+          </p:grpSpPr>
+          <p:grpSp>
+            <p:nvGrpSpPr>
+              <p:cNvPr id="21" name="Group 20">
+                <a:extLst>
+                  <a:ext uri="{FF2B5EF4-FFF2-40B4-BE49-F238E27FC236}">
+                    <a16:creationId xmlns:a16="http://schemas.microsoft.com/office/drawing/2014/main" id="{A42F9A92-0861-4710-B32A-30F4FBB48778}"/>
+                  </a:ext>
+                </a:extLst>
+              </p:cNvPr>
+              <p:cNvGrpSpPr/>
+              <p:nvPr/>
+            </p:nvGrpSpPr>
+            <p:grpSpPr>
+              <a:xfrm rot="5400000">
+                <a:off x="6518630" y="1512901"/>
+                <a:ext cx="1141996" cy="1164830"/>
+                <a:chOff x="6310708" y="2223671"/>
+                <a:chExt cx="809489" cy="898563"/>
+              </a:xfrm>
+            </p:grpSpPr>
+            <p:sp>
+              <p:nvSpPr>
+                <p:cNvPr id="24" name="Rounded Rectangle 31">
+                  <a:extLst>
+                    <a:ext uri="{FF2B5EF4-FFF2-40B4-BE49-F238E27FC236}">
+                      <a16:creationId xmlns:a16="http://schemas.microsoft.com/office/drawing/2014/main" id="{F69CDF89-C38C-46DC-B10E-FF9A091A66DC}"/>
+                    </a:ext>
+                  </a:extLst>
+                </p:cNvPr>
+                <p:cNvSpPr/>
+                <p:nvPr/>
+              </p:nvSpPr>
+              <p:spPr>
+                <a:xfrm>
+                  <a:off x="6451830" y="2223671"/>
+                  <a:ext cx="519438" cy="898563"/>
+                </a:xfrm>
+                <a:prstGeom prst="roundRect">
+                  <a:avLst/>
+                </a:prstGeom>
+                <a:solidFill>
+                  <a:srgbClr val="FFD500"/>
+                </a:solidFill>
+                <a:ln>
+                  <a:solidFill>
+                    <a:srgbClr val="000000"/>
+                  </a:solidFill>
+                </a:ln>
+                <a:effectLst/>
+              </p:spPr>
+              <p:style>
+                <a:lnRef idx="1">
+                  <a:schemeClr val="accent1"/>
+                </a:lnRef>
+                <a:fillRef idx="3">
+                  <a:schemeClr val="accent1"/>
+                </a:fillRef>
+                <a:effectRef idx="2">
+                  <a:schemeClr val="accent1"/>
+                </a:effectRef>
+                <a:fontRef idx="minor">
+                  <a:schemeClr val="lt1"/>
+                </a:fontRef>
+              </p:style>
+              <p:txBody>
+                <a:bodyPr rtlCol="0" anchor="ctr"/>
+                <a:lstStyle/>
+                <a:p>
+                  <a:pPr algn="ctr"/>
+                  <a:endParaRPr lang="en-US"/>
+                </a:p>
+              </p:txBody>
+            </p:sp>
+            <p:sp>
+              <p:nvSpPr>
+                <p:cNvPr id="25" name="Rounded Rectangle 32">
+                  <a:extLst>
+                    <a:ext uri="{FF2B5EF4-FFF2-40B4-BE49-F238E27FC236}">
+                      <a16:creationId xmlns:a16="http://schemas.microsoft.com/office/drawing/2014/main" id="{AB0BC2C1-10D9-41FA-967C-46069DCCAF54}"/>
+                    </a:ext>
+                  </a:extLst>
+                </p:cNvPr>
+                <p:cNvSpPr/>
+                <p:nvPr/>
+              </p:nvSpPr>
+              <p:spPr>
+                <a:xfrm>
+                  <a:off x="6979076" y="2525434"/>
+                  <a:ext cx="141121" cy="295036"/>
+                </a:xfrm>
+                <a:prstGeom prst="roundRect">
+                  <a:avLst/>
+                </a:prstGeom>
+                <a:solidFill>
+                  <a:srgbClr val="13B09B"/>
+                </a:solidFill>
+                <a:ln>
+                  <a:solidFill>
+                    <a:srgbClr val="000000"/>
+                  </a:solidFill>
+                </a:ln>
+                <a:effectLst/>
+              </p:spPr>
+              <p:style>
+                <a:lnRef idx="1">
+                  <a:schemeClr val="accent6"/>
+                </a:lnRef>
+                <a:fillRef idx="3">
+                  <a:schemeClr val="accent6"/>
+                </a:fillRef>
+                <a:effectRef idx="2">
+                  <a:schemeClr val="accent6"/>
+                </a:effectRef>
+                <a:fontRef idx="minor">
+                  <a:schemeClr val="lt1"/>
+                </a:fontRef>
+              </p:style>
+              <p:txBody>
+                <a:bodyPr rtlCol="0" anchor="ctr"/>
+                <a:lstStyle/>
+                <a:p>
+                  <a:pPr algn="ctr"/>
+                  <a:endParaRPr lang="en-US">
+                    <a:effectLst/>
+                  </a:endParaRPr>
+                </a:p>
+              </p:txBody>
+            </p:sp>
+            <p:sp>
+              <p:nvSpPr>
+                <p:cNvPr id="26" name="Rounded Rectangle 33">
+                  <a:extLst>
+                    <a:ext uri="{FF2B5EF4-FFF2-40B4-BE49-F238E27FC236}">
+                      <a16:creationId xmlns:a16="http://schemas.microsoft.com/office/drawing/2014/main" id="{3BB1D7F6-83D3-49DD-A60C-01A1DC28C75D}"/>
+                    </a:ext>
+                  </a:extLst>
+                </p:cNvPr>
+                <p:cNvSpPr/>
+                <p:nvPr/>
+              </p:nvSpPr>
+              <p:spPr>
+                <a:xfrm>
+                  <a:off x="6310708" y="2525434"/>
+                  <a:ext cx="141121" cy="295036"/>
+                </a:xfrm>
+                <a:prstGeom prst="roundRect">
+                  <a:avLst/>
+                </a:prstGeom>
+                <a:solidFill>
+                  <a:srgbClr val="13B09B"/>
+                </a:solidFill>
+                <a:ln>
+                  <a:solidFill>
+                    <a:srgbClr val="000000"/>
+                  </a:solidFill>
+                </a:ln>
+                <a:effectLst/>
+              </p:spPr>
+              <p:style>
+                <a:lnRef idx="1">
+                  <a:schemeClr val="accent6"/>
+                </a:lnRef>
+                <a:fillRef idx="3">
+                  <a:schemeClr val="accent6"/>
+                </a:fillRef>
+                <a:effectRef idx="2">
+                  <a:schemeClr val="accent6"/>
+                </a:effectRef>
+                <a:fontRef idx="minor">
+                  <a:schemeClr val="lt1"/>
+                </a:fontRef>
+              </p:style>
+              <p:txBody>
+                <a:bodyPr rtlCol="0" anchor="ctr"/>
+                <a:lstStyle/>
+                <a:p>
+                  <a:pPr algn="ctr"/>
+                  <a:endParaRPr lang="en-US" dirty="0">
+                    <a:effectLst/>
+                  </a:endParaRPr>
+                </a:p>
+              </p:txBody>
+            </p:sp>
+            <p:sp>
+              <p:nvSpPr>
+                <p:cNvPr id="27" name="Oval 26">
+                  <a:extLst>
+                    <a:ext uri="{FF2B5EF4-FFF2-40B4-BE49-F238E27FC236}">
+                      <a16:creationId xmlns:a16="http://schemas.microsoft.com/office/drawing/2014/main" id="{51CD4446-472D-41E6-95B3-CB2D07B27099}"/>
+                    </a:ext>
+                  </a:extLst>
+                </p:cNvPr>
+                <p:cNvSpPr>
+                  <a:spLocks noChangeAspect="1"/>
+                </p:cNvSpPr>
+                <p:nvPr/>
+              </p:nvSpPr>
+              <p:spPr>
+                <a:xfrm>
+                  <a:off x="6621904" y="2247641"/>
+                  <a:ext cx="179290" cy="166284"/>
+                </a:xfrm>
+                <a:prstGeom prst="ellipse">
+                  <a:avLst/>
+                </a:prstGeom>
+                <a:solidFill>
+                  <a:srgbClr val="FF0000"/>
+                </a:solidFill>
+                <a:effectLst/>
+              </p:spPr>
+              <p:style>
+                <a:lnRef idx="1">
+                  <a:schemeClr val="accent1"/>
+                </a:lnRef>
+                <a:fillRef idx="3">
+                  <a:schemeClr val="accent1"/>
+                </a:fillRef>
+                <a:effectRef idx="2">
+                  <a:schemeClr val="accent1"/>
+                </a:effectRef>
+                <a:fontRef idx="minor">
+                  <a:schemeClr val="lt1"/>
+                </a:fontRef>
+              </p:style>
+              <p:txBody>
+                <a:bodyPr rtlCol="0" anchor="ctr"/>
+                <a:lstStyle/>
+                <a:p>
+                  <a:pPr algn="ctr"/>
+                  <a:endParaRPr lang="en-US"/>
+                </a:p>
+              </p:txBody>
+            </p:sp>
+          </p:grpSp>
+          <p:sp>
+            <p:nvSpPr>
+              <p:cNvPr id="22" name="TextBox 21">
+                <a:extLst>
+                  <a:ext uri="{FF2B5EF4-FFF2-40B4-BE49-F238E27FC236}">
+                    <a16:creationId xmlns:a16="http://schemas.microsoft.com/office/drawing/2014/main" id="{0FF086EF-D95F-436B-B182-D92E6E0A6A15}"/>
+                  </a:ext>
+                </a:extLst>
+              </p:cNvPr>
+              <p:cNvSpPr txBox="1"/>
+              <p:nvPr/>
+            </p:nvSpPr>
+            <p:spPr>
+              <a:xfrm>
+                <a:off x="7216809" y="1236164"/>
+                <a:ext cx="465620" cy="536995"/>
+              </a:xfrm>
+              <a:prstGeom prst="rect">
+                <a:avLst/>
+              </a:prstGeom>
+              <a:noFill/>
+            </p:spPr>
+            <p:txBody>
+              <a:bodyPr wrap="square" rtlCol="0">
+                <a:spAutoFit/>
+              </a:bodyPr>
+              <a:lstStyle/>
+              <a:p>
+                <a:r>
+                  <a:rPr lang="en-US" dirty="0"/>
+                  <a:t>A</a:t>
+                </a:r>
+              </a:p>
+            </p:txBody>
+          </p:sp>
+          <p:sp>
+            <p:nvSpPr>
+              <p:cNvPr id="23" name="TextBox 22">
+                <a:extLst>
+                  <a:ext uri="{FF2B5EF4-FFF2-40B4-BE49-F238E27FC236}">
+                    <a16:creationId xmlns:a16="http://schemas.microsoft.com/office/drawing/2014/main" id="{98522884-BF4D-4B1A-98B0-B6A56A918613}"/>
+                  </a:ext>
+                </a:extLst>
+              </p:cNvPr>
+              <p:cNvSpPr txBox="1"/>
+              <p:nvPr/>
+            </p:nvSpPr>
+            <p:spPr>
+              <a:xfrm>
+                <a:off x="7240594" y="2387180"/>
+                <a:ext cx="465620" cy="536995"/>
+              </a:xfrm>
+              <a:prstGeom prst="rect">
+                <a:avLst/>
+              </a:prstGeom>
+              <a:noFill/>
+            </p:spPr>
+            <p:txBody>
+              <a:bodyPr wrap="square" rtlCol="0">
+                <a:spAutoFit/>
+              </a:bodyPr>
+              <a:lstStyle/>
+              <a:p>
+                <a:r>
+                  <a:rPr lang="en-US" dirty="0"/>
+                  <a:t>E</a:t>
+                </a:r>
+              </a:p>
+            </p:txBody>
+          </p:sp>
+        </p:grpSp>
+        <p:cxnSp>
+          <p:nvCxnSpPr>
+            <p:cNvPr id="19" name="Curved Connector 26">
+              <a:extLst>
+                <a:ext uri="{FF2B5EF4-FFF2-40B4-BE49-F238E27FC236}">
+                  <a16:creationId xmlns:a16="http://schemas.microsoft.com/office/drawing/2014/main" id="{7D7E7B65-BFB7-4350-A9BB-972E9A84DFB2}"/>
+                </a:ext>
+              </a:extLst>
+            </p:cNvPr>
+            <p:cNvCxnSpPr/>
+            <p:nvPr/>
+          </p:nvCxnSpPr>
+          <p:spPr>
+            <a:xfrm>
+              <a:off x="1785520" y="4980768"/>
+              <a:ext cx="348898" cy="393929"/>
+            </a:xfrm>
+            <a:prstGeom prst="curvedConnector2">
+              <a:avLst/>
+            </a:prstGeom>
+            <a:ln>
+              <a:solidFill>
+                <a:srgbClr val="FF0000"/>
+              </a:solidFill>
+              <a:tailEnd type="arrow"/>
+            </a:ln>
+          </p:spPr>
+          <p:style>
+            <a:lnRef idx="2">
+              <a:schemeClr val="accent1"/>
+            </a:lnRef>
+            <a:fillRef idx="0">
+              <a:schemeClr val="accent1"/>
+            </a:fillRef>
+            <a:effectRef idx="1">
+              <a:schemeClr val="accent1"/>
+            </a:effectRef>
+            <a:fontRef idx="minor">
+              <a:schemeClr val="tx1"/>
+            </a:fontRef>
+          </p:style>
+        </p:cxnSp>
+        <p:cxnSp>
+          <p:nvCxnSpPr>
+            <p:cNvPr id="20" name="Curved Connector 27">
+              <a:extLst>
+                <a:ext uri="{FF2B5EF4-FFF2-40B4-BE49-F238E27FC236}">
+                  <a16:creationId xmlns:a16="http://schemas.microsoft.com/office/drawing/2014/main" id="{74FB643F-0DC0-4258-8DF1-4B1037706E11}"/>
+                </a:ext>
+              </a:extLst>
+            </p:cNvPr>
+            <p:cNvCxnSpPr/>
+            <p:nvPr/>
+          </p:nvCxnSpPr>
+          <p:spPr>
+            <a:xfrm rot="16200000" flipV="1">
+              <a:off x="643486" y="5573839"/>
+              <a:ext cx="438638" cy="427951"/>
+            </a:xfrm>
+            <a:prstGeom prst="curvedConnector3">
+              <a:avLst>
+                <a:gd name="adj1" fmla="val 2789"/>
+              </a:avLst>
+            </a:prstGeom>
+            <a:ln>
+              <a:solidFill>
+                <a:srgbClr val="FF0000"/>
+              </a:solidFill>
+              <a:tailEnd type="arrow"/>
+            </a:ln>
+          </p:spPr>
+          <p:style>
+            <a:lnRef idx="2">
+              <a:schemeClr val="accent1"/>
+            </a:lnRef>
+            <a:fillRef idx="0">
+              <a:schemeClr val="accent1"/>
+            </a:fillRef>
+            <a:effectRef idx="1">
+              <a:schemeClr val="accent1"/>
+            </a:effectRef>
+            <a:fontRef idx="minor">
+              <a:schemeClr val="tx1"/>
+            </a:fontRef>
+          </p:style>
+        </p:cxnSp>
+      </p:grpSp>
+      <p:sp>
+        <p:nvSpPr>
+          <p:cNvPr id="34" name="Rectangle 33">
+            <a:extLst>
+              <a:ext uri="{FF2B5EF4-FFF2-40B4-BE49-F238E27FC236}">
+                <a16:creationId xmlns:a16="http://schemas.microsoft.com/office/drawing/2014/main" id="{EEA6677D-3B04-43EB-9ED9-241FDCA393FB}"/>
+              </a:ext>
+            </a:extLst>
+          </p:cNvPr>
+          <p:cNvSpPr/>
+          <p:nvPr/>
+        </p:nvSpPr>
+        <p:spPr>
+          <a:xfrm>
+            <a:off x="351743" y="5531274"/>
+            <a:ext cx="2732114" cy="537168"/>
+          </a:xfrm>
+          <a:prstGeom prst="rect">
+            <a:avLst/>
+          </a:prstGeom>
+          <a:noFill/>
+          <a:ln w="38100">
+            <a:solidFill>
+              <a:schemeClr val="tx2"/>
+            </a:solidFill>
+          </a:ln>
+        </p:spPr>
+        <p:style>
+          <a:lnRef idx="2">
+            <a:schemeClr val="accent1">
+              <a:shade val="50000"/>
+            </a:schemeClr>
+          </a:lnRef>
+          <a:fillRef idx="1">
+            <a:schemeClr val="accent1"/>
+          </a:fillRef>
+          <a:effectRef idx="0">
+            <a:schemeClr val="accent1"/>
+          </a:effectRef>
+          <a:fontRef idx="minor">
+            <a:schemeClr val="lt1"/>
+          </a:fontRef>
+        </p:style>
+        <p:txBody>
+          <a:bodyPr rtlCol="0" anchor="ctr"/>
+          <a:lstStyle/>
+          <a:p>
+            <a:pPr algn="ctr"/>
+            <a:endParaRPr lang="en-US"/>
+          </a:p>
+        </p:txBody>
+      </p:sp>
+      <p:sp>
+        <p:nvSpPr>
+          <p:cNvPr id="35" name="Rectangle 34">
+            <a:extLst>
+              <a:ext uri="{FF2B5EF4-FFF2-40B4-BE49-F238E27FC236}">
+                <a16:creationId xmlns:a16="http://schemas.microsoft.com/office/drawing/2014/main" id="{AEDB677D-5935-498D-9669-5E910C4F64B5}"/>
+              </a:ext>
+            </a:extLst>
+          </p:cNvPr>
+          <p:cNvSpPr/>
+          <p:nvPr/>
+        </p:nvSpPr>
+        <p:spPr>
+          <a:xfrm>
+            <a:off x="3928188" y="5496586"/>
+            <a:ext cx="3583619" cy="537168"/>
+          </a:xfrm>
+          <a:prstGeom prst="rect">
+            <a:avLst/>
+          </a:prstGeom>
+          <a:noFill/>
+          <a:ln w="38100">
+            <a:solidFill>
+              <a:schemeClr val="tx2"/>
+            </a:solidFill>
+          </a:ln>
+        </p:spPr>
+        <p:style>
+          <a:lnRef idx="2">
+            <a:schemeClr val="accent1">
+              <a:shade val="50000"/>
+            </a:schemeClr>
+          </a:lnRef>
+          <a:fillRef idx="1">
+            <a:schemeClr val="accent1"/>
+          </a:fillRef>
+          <a:effectRef idx="0">
+            <a:schemeClr val="accent1"/>
+          </a:effectRef>
+          <a:fontRef idx="minor">
+            <a:schemeClr val="lt1"/>
+          </a:fontRef>
+        </p:style>
+        <p:txBody>
+          <a:bodyPr rtlCol="0" anchor="ctr"/>
+          <a:lstStyle/>
+          <a:p>
+            <a:pPr algn="ctr"/>
+            <a:endParaRPr lang="en-US"/>
+          </a:p>
+        </p:txBody>
+      </p:sp>
+    </p:spTree>
+    <p:extLst>
+      <p:ext uri="{BB962C8B-B14F-4D97-AF65-F5344CB8AC3E}">
+        <p14:creationId xmlns:p14="http://schemas.microsoft.com/office/powerpoint/2010/main" val="1118897398"/>
+      </p:ext>
+    </p:extLst>
+  </p:cSld>
+  <p:clrMapOvr>
+    <a:masterClrMapping/>
+  </p:clrMapOvr>
+</p:sld>
+</file>
+
+<file path=ppt/slides/slide7.xml><?xml version="1.0" encoding="utf-8"?>
+<p:sld xmlns:a="http://schemas.openxmlformats.org/drawingml/2006/main" xmlns:r="http://schemas.openxmlformats.org/officeDocument/2006/relationships" xmlns:p="http://schemas.openxmlformats.org/presentationml/2006/main">
+  <p:cSld>
+    <p:spTree>
+      <p:nvGrpSpPr>
+        <p:cNvPr id="1" name=""/>
+        <p:cNvGrpSpPr/>
+        <p:nvPr/>
+      </p:nvGrpSpPr>
+      <p:grpSpPr>
+        <a:xfrm>
+          <a:off x="0" y="0"/>
+          <a:ext cx="0" cy="0"/>
+          <a:chOff x="0" y="0"/>
+          <a:chExt cx="0" cy="0"/>
+        </a:xfrm>
+      </p:grpSpPr>
       <p:sp>
         <p:nvSpPr>
           <p:cNvPr id="2" name="Title 1">
@@ -6821,7 +7625,7 @@
           <a:p>
             <a:r>
               <a:rPr lang="en-US" dirty="0"/>
-              <a:t>Challenge I</a:t>
+              <a:t>Challenge</a:t>
             </a:r>
           </a:p>
         </p:txBody>
@@ -6854,7 +7658,7 @@
           <a:p>
             <a:r>
               <a:rPr lang="en-US" dirty="0"/>
-              <a:t>Make a 90 degree right turn using just movement blocks</a:t>
+              <a:t>Make a 90 degree right pivot turn using just movement blocks</a:t>
             </a:r>
           </a:p>
           <a:p>
@@ -6914,7 +7718,7 @@
           <a:p>
             <a:r>
               <a:rPr lang="en-US"/>
-              <a:t>Copyright © 2020 SPIKE Prime Lessons (primelessons.org) CC-BY-NC-SA.  (Last edit: 1/9/2020)</a:t>
+              <a:t>Copyright © 2020 SPIKE Prime Lessons (primelessons.org) CC-BY-NC-SA.  (Last edit: 5/30/2020)</a:t>
             </a:r>
             <a:endParaRPr lang="en-US" dirty="0"/>
           </a:p>
@@ -6943,7 +7747,7 @@
           <a:p>
             <a:fld id="{BBD74847-7BE4-4E4D-8159-51DF7B93C616}" type="slidenum">
               <a:rPr lang="en-US" smtClean="0"/>
-              <a:t>6</a:t>
+              <a:t>7</a:t>
             </a:fld>
             <a:endParaRPr lang="en-US"/>
           </a:p>
@@ -7359,7 +8163,7 @@
         </p:blipFill>
         <p:spPr>
           <a:xfrm>
-            <a:off x="716982" y="4607610"/>
+            <a:off x="716982" y="4858622"/>
             <a:ext cx="4333875" cy="676275"/>
           </a:xfrm>
           <a:prstGeom prst="rect">
@@ -7371,238 +8175,6 @@
     <p:extLst>
       <p:ext uri="{BB962C8B-B14F-4D97-AF65-F5344CB8AC3E}">
         <p14:creationId xmlns:p14="http://schemas.microsoft.com/office/powerpoint/2010/main" val="1363568004"/>
-      </p:ext>
-    </p:extLst>
-  </p:cSld>
-  <p:clrMapOvr>
-    <a:masterClrMapping/>
-  </p:clrMapOvr>
-</p:sld>
-</file>
-
-<file path=ppt/slides/slide7.xml><?xml version="1.0" encoding="utf-8"?>
-<p:sld xmlns:a="http://schemas.openxmlformats.org/drawingml/2006/main" xmlns:r="http://schemas.openxmlformats.org/officeDocument/2006/relationships" xmlns:p="http://schemas.openxmlformats.org/presentationml/2006/main">
-  <p:cSld>
-    <p:spTree>
-      <p:nvGrpSpPr>
-        <p:cNvPr id="1" name=""/>
-        <p:cNvGrpSpPr/>
-        <p:nvPr/>
-      </p:nvGrpSpPr>
-      <p:grpSpPr>
-        <a:xfrm>
-          <a:off x="0" y="0"/>
-          <a:ext cx="0" cy="0"/>
-          <a:chOff x="0" y="0"/>
-          <a:chExt cx="0" cy="0"/>
-        </a:xfrm>
-      </p:grpSpPr>
-      <p:sp>
-        <p:nvSpPr>
-          <p:cNvPr id="2" name="Title 1">
-            <a:extLst>
-              <a:ext uri="{FF2B5EF4-FFF2-40B4-BE49-F238E27FC236}">
-                <a16:creationId xmlns:a16="http://schemas.microsoft.com/office/drawing/2014/main" id="{8214FF77-B3ED-4099-B431-50DA4F2427B9}"/>
-              </a:ext>
-            </a:extLst>
-          </p:cNvPr>
-          <p:cNvSpPr>
-            <a:spLocks noGrp="1"/>
-          </p:cNvSpPr>
-          <p:nvPr>
-            <p:ph type="title"/>
-          </p:nvPr>
-        </p:nvSpPr>
-        <p:spPr/>
-        <p:txBody>
-          <a:bodyPr/>
-          <a:lstStyle/>
-          <a:p>
-            <a:r>
-              <a:rPr lang="en-US" dirty="0"/>
-              <a:t>Challenge I Solution</a:t>
-            </a:r>
-          </a:p>
-        </p:txBody>
-      </p:sp>
-      <p:sp>
-        <p:nvSpPr>
-          <p:cNvPr id="3" name="Content Placeholder 2">
-            <a:extLst>
-              <a:ext uri="{FF2B5EF4-FFF2-40B4-BE49-F238E27FC236}">
-                <a16:creationId xmlns:a16="http://schemas.microsoft.com/office/drawing/2014/main" id="{2F5D0EAA-0B0A-48F4-A295-35F7823955A8}"/>
-              </a:ext>
-            </a:extLst>
-          </p:cNvPr>
-          <p:cNvSpPr>
-            <a:spLocks noGrp="1"/>
-          </p:cNvSpPr>
-          <p:nvPr>
-            <p:ph idx="1"/>
-          </p:nvPr>
-        </p:nvSpPr>
-        <p:spPr>
-          <a:xfrm>
-            <a:off x="155088" y="1478779"/>
-            <a:ext cx="4588362" cy="3486058"/>
-          </a:xfrm>
-        </p:spPr>
-        <p:txBody>
-          <a:bodyPr>
-            <a:normAutofit fontScale="92500" lnSpcReduction="10000"/>
-          </a:bodyPr>
-          <a:lstStyle/>
-          <a:p>
-            <a:r>
-              <a:rPr lang="en-US" dirty="0"/>
-              <a:t>Start by configuring your motor ports</a:t>
-            </a:r>
-          </a:p>
-          <a:p>
-            <a:r>
-              <a:rPr lang="en-US" dirty="0"/>
-              <a:t>Use </a:t>
-            </a:r>
-            <a:r>
-              <a:rPr lang="en-US" b="1" dirty="0"/>
-              <a:t>hold</a:t>
-            </a:r>
-            <a:r>
-              <a:rPr lang="en-US" dirty="0"/>
-              <a:t> position to ensure that the robot stays where it finished its turn</a:t>
-            </a:r>
-          </a:p>
-          <a:p>
-            <a:r>
-              <a:rPr lang="en-US" dirty="0"/>
-              <a:t>Reset the </a:t>
-            </a:r>
-            <a:r>
-              <a:rPr lang="en-US" b="1" dirty="0"/>
-              <a:t>yaw angle</a:t>
-            </a:r>
-            <a:r>
-              <a:rPr lang="en-US" dirty="0"/>
-              <a:t>. This will let us see how far the robot turns on the Dashboard.</a:t>
-            </a:r>
-          </a:p>
-          <a:p>
-            <a:r>
-              <a:rPr lang="en-US" dirty="0"/>
-              <a:t>Move the robot using </a:t>
-            </a:r>
-            <a:r>
-              <a:rPr lang="en-US" b="1" dirty="0"/>
-              <a:t>Tank Move</a:t>
-            </a:r>
-            <a:r>
-              <a:rPr lang="en-US" dirty="0"/>
-              <a:t>. Note that this Tank Move has duration of 180 degrees. The right wheel does not move, the left wheel will spin 360 degrees. This is for Droid Bot IV.</a:t>
-            </a:r>
-          </a:p>
-          <a:p>
-            <a:r>
-              <a:rPr lang="en-US" dirty="0"/>
-              <a:t>After running this code, check your actual turn angle by using the Dashboard. It should be close to 90 degrees</a:t>
-            </a:r>
-          </a:p>
-          <a:p>
-            <a:endParaRPr lang="en-US" dirty="0"/>
-          </a:p>
-        </p:txBody>
-      </p:sp>
-      <p:sp>
-        <p:nvSpPr>
-          <p:cNvPr id="4" name="Footer Placeholder 3">
-            <a:extLst>
-              <a:ext uri="{FF2B5EF4-FFF2-40B4-BE49-F238E27FC236}">
-                <a16:creationId xmlns:a16="http://schemas.microsoft.com/office/drawing/2014/main" id="{DEEA12E6-3549-4719-BD46-C21CF6C0F872}"/>
-              </a:ext>
-            </a:extLst>
-          </p:cNvPr>
-          <p:cNvSpPr>
-            <a:spLocks noGrp="1"/>
-          </p:cNvSpPr>
-          <p:nvPr>
-            <p:ph type="ftr" sz="quarter" idx="11"/>
-          </p:nvPr>
-        </p:nvSpPr>
-        <p:spPr/>
-        <p:txBody>
-          <a:bodyPr/>
-          <a:lstStyle/>
-          <a:p>
-            <a:r>
-              <a:rPr lang="en-US"/>
-              <a:t>Copyright © 2020 SPIKE Prime Lessons (primelessons.org) CC-BY-NC-SA.  (Last edit: 1/9/2020)</a:t>
-            </a:r>
-            <a:endParaRPr lang="en-US" dirty="0"/>
-          </a:p>
-        </p:txBody>
-      </p:sp>
-      <p:sp>
-        <p:nvSpPr>
-          <p:cNvPr id="5" name="Slide Number Placeholder 4">
-            <a:extLst>
-              <a:ext uri="{FF2B5EF4-FFF2-40B4-BE49-F238E27FC236}">
-                <a16:creationId xmlns:a16="http://schemas.microsoft.com/office/drawing/2014/main" id="{D3AC00BA-5806-4407-A4C7-208E5C5F95EB}"/>
-              </a:ext>
-            </a:extLst>
-          </p:cNvPr>
-          <p:cNvSpPr>
-            <a:spLocks noGrp="1"/>
-          </p:cNvSpPr>
-          <p:nvPr>
-            <p:ph type="sldNum" sz="quarter" idx="12"/>
-          </p:nvPr>
-        </p:nvSpPr>
-        <p:spPr/>
-        <p:txBody>
-          <a:bodyPr/>
-          <a:lstStyle/>
-          <a:p>
-            <a:fld id="{BBD74847-7BE4-4E4D-8159-51DF7B93C616}" type="slidenum">
-              <a:rPr lang="en-US" smtClean="0"/>
-              <a:t>7</a:t>
-            </a:fld>
-            <a:endParaRPr lang="en-US"/>
-          </a:p>
-        </p:txBody>
-      </p:sp>
-      <p:pic>
-        <p:nvPicPr>
-          <p:cNvPr id="6" name="Picture 5">
-            <a:extLst>
-              <a:ext uri="{FF2B5EF4-FFF2-40B4-BE49-F238E27FC236}">
-                <a16:creationId xmlns:a16="http://schemas.microsoft.com/office/drawing/2014/main" id="{98EE004C-CF66-442A-B84D-3904DC9362A0}"/>
-              </a:ext>
-            </a:extLst>
-          </p:cNvPr>
-          <p:cNvPicPr>
-            <a:picLocks noChangeAspect="1"/>
-          </p:cNvPicPr>
-          <p:nvPr/>
-        </p:nvPicPr>
-        <p:blipFill>
-          <a:blip r:embed="rId2"/>
-          <a:stretch>
-            <a:fillRect/>
-          </a:stretch>
-        </p:blipFill>
-        <p:spPr>
-          <a:xfrm>
-            <a:off x="4743450" y="1413833"/>
-            <a:ext cx="4400550" cy="2676525"/>
-          </a:xfrm>
-          <a:prstGeom prst="rect">
-            <a:avLst/>
-          </a:prstGeom>
-        </p:spPr>
-      </p:pic>
-    </p:spTree>
-    <p:extLst>
-      <p:ext uri="{BB962C8B-B14F-4D97-AF65-F5344CB8AC3E}">
-        <p14:creationId xmlns:p14="http://schemas.microsoft.com/office/powerpoint/2010/main" val="3781426001"/>
       </p:ext>
     </p:extLst>
   </p:cSld>
@@ -7631,6 +8203,238 @@
       </p:grpSpPr>
       <p:sp>
         <p:nvSpPr>
+          <p:cNvPr id="2" name="Title 1">
+            <a:extLst>
+              <a:ext uri="{FF2B5EF4-FFF2-40B4-BE49-F238E27FC236}">
+                <a16:creationId xmlns:a16="http://schemas.microsoft.com/office/drawing/2014/main" id="{8214FF77-B3ED-4099-B431-50DA4F2427B9}"/>
+              </a:ext>
+            </a:extLst>
+          </p:cNvPr>
+          <p:cNvSpPr>
+            <a:spLocks noGrp="1"/>
+          </p:cNvSpPr>
+          <p:nvPr>
+            <p:ph type="title"/>
+          </p:nvPr>
+        </p:nvSpPr>
+        <p:spPr/>
+        <p:txBody>
+          <a:bodyPr/>
+          <a:lstStyle/>
+          <a:p>
+            <a:r>
+              <a:rPr lang="en-US" dirty="0"/>
+              <a:t>Challenge Solution</a:t>
+            </a:r>
+          </a:p>
+        </p:txBody>
+      </p:sp>
+      <p:sp>
+        <p:nvSpPr>
+          <p:cNvPr id="3" name="Content Placeholder 2">
+            <a:extLst>
+              <a:ext uri="{FF2B5EF4-FFF2-40B4-BE49-F238E27FC236}">
+                <a16:creationId xmlns:a16="http://schemas.microsoft.com/office/drawing/2014/main" id="{2F5D0EAA-0B0A-48F4-A295-35F7823955A8}"/>
+              </a:ext>
+            </a:extLst>
+          </p:cNvPr>
+          <p:cNvSpPr>
+            <a:spLocks noGrp="1"/>
+          </p:cNvSpPr>
+          <p:nvPr>
+            <p:ph idx="1"/>
+          </p:nvPr>
+        </p:nvSpPr>
+        <p:spPr>
+          <a:xfrm>
+            <a:off x="155088" y="1478779"/>
+            <a:ext cx="4588362" cy="3486058"/>
+          </a:xfrm>
+        </p:spPr>
+        <p:txBody>
+          <a:bodyPr>
+            <a:normAutofit fontScale="92500" lnSpcReduction="10000"/>
+          </a:bodyPr>
+          <a:lstStyle/>
+          <a:p>
+            <a:r>
+              <a:rPr lang="en-US" dirty="0"/>
+              <a:t>Start by configuring your motor ports</a:t>
+            </a:r>
+          </a:p>
+          <a:p>
+            <a:r>
+              <a:rPr lang="en-US" dirty="0"/>
+              <a:t>Use </a:t>
+            </a:r>
+            <a:r>
+              <a:rPr lang="en-US" b="1" dirty="0"/>
+              <a:t>hold</a:t>
+            </a:r>
+            <a:r>
+              <a:rPr lang="en-US" dirty="0"/>
+              <a:t> position to ensure that the robot stays where it finished its turn</a:t>
+            </a:r>
+          </a:p>
+          <a:p>
+            <a:r>
+              <a:rPr lang="en-US" dirty="0"/>
+              <a:t>Reset the </a:t>
+            </a:r>
+            <a:r>
+              <a:rPr lang="en-US" b="1" dirty="0"/>
+              <a:t>yaw angle</a:t>
+            </a:r>
+            <a:r>
+              <a:rPr lang="en-US" dirty="0"/>
+              <a:t>. This will let us see how far the robot turns on the Dashboard.</a:t>
+            </a:r>
+          </a:p>
+          <a:p>
+            <a:r>
+              <a:rPr lang="en-US" dirty="0"/>
+              <a:t>Move the robot using </a:t>
+            </a:r>
+            <a:r>
+              <a:rPr lang="en-US" b="1" dirty="0"/>
+              <a:t>Tank Move</a:t>
+            </a:r>
+            <a:r>
+              <a:rPr lang="en-US" dirty="0"/>
+              <a:t>. Note that this Tank Move has duration of 180 degrees. The right wheel does not move, the left wheel will spin 360 degrees. This is for Droid Bot IV.</a:t>
+            </a:r>
+          </a:p>
+          <a:p>
+            <a:r>
+              <a:rPr lang="en-US" dirty="0"/>
+              <a:t>After running this code, check your actual turn angle by using the Dashboard. It should be close to 90 degrees</a:t>
+            </a:r>
+          </a:p>
+          <a:p>
+            <a:endParaRPr lang="en-US" dirty="0"/>
+          </a:p>
+        </p:txBody>
+      </p:sp>
+      <p:sp>
+        <p:nvSpPr>
+          <p:cNvPr id="4" name="Footer Placeholder 3">
+            <a:extLst>
+              <a:ext uri="{FF2B5EF4-FFF2-40B4-BE49-F238E27FC236}">
+                <a16:creationId xmlns:a16="http://schemas.microsoft.com/office/drawing/2014/main" id="{DEEA12E6-3549-4719-BD46-C21CF6C0F872}"/>
+              </a:ext>
+            </a:extLst>
+          </p:cNvPr>
+          <p:cNvSpPr>
+            <a:spLocks noGrp="1"/>
+          </p:cNvSpPr>
+          <p:nvPr>
+            <p:ph type="ftr" sz="quarter" idx="11"/>
+          </p:nvPr>
+        </p:nvSpPr>
+        <p:spPr/>
+        <p:txBody>
+          <a:bodyPr/>
+          <a:lstStyle/>
+          <a:p>
+            <a:r>
+              <a:rPr lang="en-US"/>
+              <a:t>Copyright © 2020 SPIKE Prime Lessons (primelessons.org) CC-BY-NC-SA.  (Last edit: 5/30/2020)</a:t>
+            </a:r>
+            <a:endParaRPr lang="en-US" dirty="0"/>
+          </a:p>
+        </p:txBody>
+      </p:sp>
+      <p:sp>
+        <p:nvSpPr>
+          <p:cNvPr id="5" name="Slide Number Placeholder 4">
+            <a:extLst>
+              <a:ext uri="{FF2B5EF4-FFF2-40B4-BE49-F238E27FC236}">
+                <a16:creationId xmlns:a16="http://schemas.microsoft.com/office/drawing/2014/main" id="{D3AC00BA-5806-4407-A4C7-208E5C5F95EB}"/>
+              </a:ext>
+            </a:extLst>
+          </p:cNvPr>
+          <p:cNvSpPr>
+            <a:spLocks noGrp="1"/>
+          </p:cNvSpPr>
+          <p:nvPr>
+            <p:ph type="sldNum" sz="quarter" idx="12"/>
+          </p:nvPr>
+        </p:nvSpPr>
+        <p:spPr/>
+        <p:txBody>
+          <a:bodyPr/>
+          <a:lstStyle/>
+          <a:p>
+            <a:fld id="{BBD74847-7BE4-4E4D-8159-51DF7B93C616}" type="slidenum">
+              <a:rPr lang="en-US" smtClean="0"/>
+              <a:t>8</a:t>
+            </a:fld>
+            <a:endParaRPr lang="en-US"/>
+          </a:p>
+        </p:txBody>
+      </p:sp>
+      <p:pic>
+        <p:nvPicPr>
+          <p:cNvPr id="6" name="Picture 5">
+            <a:extLst>
+              <a:ext uri="{FF2B5EF4-FFF2-40B4-BE49-F238E27FC236}">
+                <a16:creationId xmlns:a16="http://schemas.microsoft.com/office/drawing/2014/main" id="{98EE004C-CF66-442A-B84D-3904DC9362A0}"/>
+              </a:ext>
+            </a:extLst>
+          </p:cNvPr>
+          <p:cNvPicPr>
+            <a:picLocks noChangeAspect="1"/>
+          </p:cNvPicPr>
+          <p:nvPr/>
+        </p:nvPicPr>
+        <p:blipFill>
+          <a:blip r:embed="rId2"/>
+          <a:stretch>
+            <a:fillRect/>
+          </a:stretch>
+        </p:blipFill>
+        <p:spPr>
+          <a:xfrm>
+            <a:off x="4743450" y="1413833"/>
+            <a:ext cx="4400550" cy="2676525"/>
+          </a:xfrm>
+          <a:prstGeom prst="rect">
+            <a:avLst/>
+          </a:prstGeom>
+        </p:spPr>
+      </p:pic>
+    </p:spTree>
+    <p:extLst>
+      <p:ext uri="{BB962C8B-B14F-4D97-AF65-F5344CB8AC3E}">
+        <p14:creationId xmlns:p14="http://schemas.microsoft.com/office/powerpoint/2010/main" val="3781426001"/>
+      </p:ext>
+    </p:extLst>
+  </p:cSld>
+  <p:clrMapOvr>
+    <a:masterClrMapping/>
+  </p:clrMapOvr>
+</p:sld>
+</file>
+
+<file path=ppt/slides/slide9.xml><?xml version="1.0" encoding="utf-8"?>
+<p:sld xmlns:a="http://schemas.openxmlformats.org/drawingml/2006/main" xmlns:r="http://schemas.openxmlformats.org/officeDocument/2006/relationships" xmlns:p="http://schemas.openxmlformats.org/presentationml/2006/main">
+  <p:cSld>
+    <p:spTree>
+      <p:nvGrpSpPr>
+        <p:cNvPr id="1" name=""/>
+        <p:cNvGrpSpPr/>
+        <p:nvPr/>
+      </p:nvGrpSpPr>
+      <p:grpSpPr>
+        <a:xfrm>
+          <a:off x="0" y="0"/>
+          <a:ext cx="0" cy="0"/>
+          <a:chOff x="0" y="0"/>
+          <a:chExt cx="0" cy="0"/>
+        </a:xfrm>
+      </p:grpSpPr>
+      <p:sp>
+        <p:nvSpPr>
           <p:cNvPr id="2" name="Title 1"/>
           <p:cNvSpPr>
             <a:spLocks noGrp="1"/>
@@ -7702,9 +8506,10 @@
           <a:lstStyle/>
           <a:p>
             <a:r>
-              <a:rPr lang="en-US" dirty="0"/>
-              <a:t>Copyright © 2020 SPIKE Prime Lessons (primelessons.org) CC-BY-NC-SA.  (Last edit: 1/9/2020)</a:t>
-            </a:r>
+              <a:rPr lang="en-US"/>
+              <a:t>Copyright © 2020 SPIKE Prime Lessons (primelessons.org) CC-BY-NC-SA.  (Last edit: 5/30/2020)</a:t>
+            </a:r>
+            <a:endParaRPr lang="en-US" dirty="0"/>
           </a:p>
         </p:txBody>
       </p:sp>
@@ -7733,7 +8538,7 @@
           <a:effectLst/>
           <a:extLst>
             <a:ext uri="{91240B29-F687-4f45-9708-019B960494DF}">
-              <a14:hiddenLine xmlns:a14="http://schemas.microsoft.com/office/drawing/2010/main" xmlns="" w="9525">
+              <a14:hiddenLine xmlns="" xmlns:a14="http://schemas.microsoft.com/office/drawing/2010/main" w="9525">
                 <a:solidFill>
                   <a:schemeClr val="tx1"/>
                 </a:solidFill>
@@ -7743,7 +8548,7 @@
               </a14:hiddenLine>
             </a:ext>
             <a:ext uri="{AF507438-7753-43e0-B8FC-AC1667EBCBE1}">
-              <a14:hiddenEffects xmlns:a14="http://schemas.microsoft.com/office/drawing/2010/main" xmlns="">
+              <a14:hiddenEffects xmlns="" xmlns:a14="http://schemas.microsoft.com/office/drawing/2010/main">
                 <a:effectLst>
                   <a:outerShdw dist="35921" dir="2700000" algn="ctr" rotWithShape="0">
                     <a:schemeClr val="bg2"/>
@@ -8084,7 +8889,7 @@
           <a:noFill/>
           <a:extLst>
             <a:ext uri="{909E8E84-426E-40dd-AFC4-6F175D3DCCD1}">
-              <a14:hiddenFill xmlns:a14="http://schemas.microsoft.com/office/drawing/2010/main" xmlns="">
+              <a14:hiddenFill xmlns="" xmlns:a14="http://schemas.microsoft.com/office/drawing/2010/main">
                 <a:solidFill>
                   <a:srgbClr val="FFFFFF"/>
                 </a:solidFill>
@@ -8116,7 +8921,7 @@
           <a:p>
             <a:fld id="{BBD74847-7BE4-4E4D-8159-51DF7B93C616}" type="slidenum">
               <a:rPr lang="en-US" smtClean="0"/>
-              <a:t>8</a:t>
+              <a:t>9</a:t>
             </a:fld>
             <a:endParaRPr lang="en-US"/>
           </a:p>
